--- a/963581.pptx
+++ b/963581.pptx
@@ -1154,7 +1154,7 @@
           </a:ln>
           <a:extLst>
             <a:ext uri="{C572A759-6A51-4108-AA02-DFA0A04FC94B}">
-              <ma14:wrappingTextBoxFlag xmlns:ma14="http://schemas.microsoft.com/office/mac/drawingml/2011/main" xmlns="" val="1"/>
+              <ma14:wrappingTextBoxFlag xmlns="" xmlns:ma14="http://schemas.microsoft.com/office/mac/drawingml/2011/main" val="1"/>
             </a:ext>
           </a:extLst>
         </p:spPr>
@@ -1193,7 +1193,7 @@
           </a:ln>
           <a:extLst>
             <a:ext uri="{C572A759-6A51-4108-AA02-DFA0A04FC94B}">
-              <ma14:wrappingTextBoxFlag xmlns:ma14="http://schemas.microsoft.com/office/mac/drawingml/2011/main" xmlns="" val="1"/>
+              <ma14:wrappingTextBoxFlag xmlns="" xmlns:ma14="http://schemas.microsoft.com/office/mac/drawingml/2011/main" val="1"/>
             </a:ext>
           </a:extLst>
         </p:spPr>
@@ -2116,7 +2116,7 @@
           </a:ln>
           <a:extLst>
             <a:ext uri="{C572A759-6A51-4108-AA02-DFA0A04FC94B}">
-              <ma14:wrappingTextBoxFlag xmlns:ma14="http://schemas.microsoft.com/office/mac/drawingml/2011/main" xmlns="" val="1"/>
+              <ma14:wrappingTextBoxFlag xmlns="" xmlns:ma14="http://schemas.microsoft.com/office/mac/drawingml/2011/main" val="1"/>
             </a:ext>
           </a:extLst>
         </p:spPr>
@@ -2204,7 +2204,7 @@
           </a:ln>
           <a:extLst>
             <a:ext uri="{C572A759-6A51-4108-AA02-DFA0A04FC94B}">
-              <ma14:wrappingTextBoxFlag xmlns:ma14="http://schemas.microsoft.com/office/mac/drawingml/2011/main" xmlns="" val="1"/>
+              <ma14:wrappingTextBoxFlag xmlns="" xmlns:ma14="http://schemas.microsoft.com/office/mac/drawingml/2011/main" val="1"/>
             </a:ext>
           </a:extLst>
         </p:spPr>
@@ -2256,7 +2256,7 @@
           </a:ln>
           <a:extLst>
             <a:ext uri="{C572A759-6A51-4108-AA02-DFA0A04FC94B}">
-              <ma14:wrappingTextBoxFlag xmlns:ma14="http://schemas.microsoft.com/office/mac/drawingml/2011/main" xmlns="" val="1"/>
+              <ma14:wrappingTextBoxFlag xmlns="" xmlns:ma14="http://schemas.microsoft.com/office/mac/drawingml/2011/main" val="1"/>
             </a:ext>
           </a:extLst>
         </p:spPr>
@@ -2307,7 +2307,7 @@
           </a:ln>
           <a:extLst>
             <a:ext uri="{C572A759-6A51-4108-AA02-DFA0A04FC94B}">
-              <ma14:wrappingTextBoxFlag xmlns:ma14="http://schemas.microsoft.com/office/mac/drawingml/2011/main" xmlns="" val="1"/>
+              <ma14:wrappingTextBoxFlag xmlns="" xmlns:ma14="http://schemas.microsoft.com/office/mac/drawingml/2011/main" val="1"/>
             </a:ext>
           </a:extLst>
         </p:spPr>
@@ -4322,8 +4322,8 @@
         </p:blipFill>
         <p:spPr>
           <a:xfrm>
-            <a:off x="1172434" y="2244556"/>
-            <a:ext cx="22039131" cy="11471444"/>
+            <a:off x="4036987" y="4136296"/>
+            <a:ext cx="12783052" cy="6653623"/>
           </a:xfrm>
           <a:prstGeom prst="rect">
             <a:avLst/>
